--- a/33_NumWorkers.pptx
+++ b/33_NumWorkers.pptx
@@ -3460,7 +3460,7 @@
                   <a:srgbClr val="FFFF00"/>
                 </a:solidFill>
               </a:rPr>
-              <a:t>34 Num Workers (Part 3)</a:t>
+              <a:t>33 Num Workers (Part 3)</a:t>
             </a:r>
             <a:endParaRPr lang="zh-TW" altLang="en-US" sz="4000" b="1" dirty="0">
               <a:solidFill>
@@ -3658,7 +3658,7 @@
                   <a:srgbClr val="FFFF00"/>
                 </a:solidFill>
               </a:rPr>
-              <a:t>34 Num Workers (Part 3)</a:t>
+              <a:t>33 Num Workers (Part 3)</a:t>
             </a:r>
             <a:endParaRPr lang="zh-TW" altLang="en-US" sz="3600" b="1" dirty="0">
               <a:solidFill>

--- a/33_NumWorkers.pptx
+++ b/33_NumWorkers.pptx
@@ -4146,7 +4146,7 @@
         <p:spPr>
           <a:xfrm>
             <a:off x="457200" y="1325447"/>
-            <a:ext cx="8291264" cy="4119777"/>
+            <a:ext cx="8291264" cy="4479817"/>
           </a:xfrm>
           <a:ln>
             <a:solidFill>
